--- a/Web Design/CSS/2. Presentation/Presentation.pptx
+++ b/Web Design/CSS/2. Presentation/Presentation.pptx
@@ -5,13 +5,12 @@
     <p:sldMasterId id="2147483660" r:id="rId1"/>
   </p:sldMasterIdLst>
   <p:notesMasterIdLst>
-    <p:notesMasterId r:id="rId6"/>
+    <p:notesMasterId r:id="rId5"/>
   </p:notesMasterIdLst>
   <p:sldIdLst>
     <p:sldId id="294" r:id="rId2"/>
     <p:sldId id="297" r:id="rId3"/>
-    <p:sldId id="295" r:id="rId4"/>
-    <p:sldId id="296" r:id="rId5"/>
+    <p:sldId id="296" r:id="rId4"/>
   </p:sldIdLst>
   <p:sldSz cx="9144000" cy="6858000" type="screen4x3"/>
   <p:notesSz cx="6858000" cy="9144000"/>
@@ -112,7 +111,7 @@
   </p:defaultTextStyle>
   <p:extLst>
     <p:ext uri="{EFAFB233-063F-42B5-8137-9DF3F51BA10A}">
-      <p15:sldGuideLst xmlns="" xmlns:p15="http://schemas.microsoft.com/office/powerpoint/2012/main"/>
+      <p15:sldGuideLst xmlns:p15="http://schemas.microsoft.com/office/powerpoint/2012/main" xmlns=""/>
     </p:ext>
   </p:extLst>
 </p:presentation>
@@ -201,7 +200,7 @@
             <a:fld id="{1C9C6C66-9DA0-4B17-A625-CB04F094DECA}" type="datetimeFigureOut">
               <a:rPr lang="en-US" smtClean="0"/>
               <a:pPr/>
-              <a:t>1/30/2014</a:t>
+              <a:t>2/2/2014</a:t>
             </a:fld>
             <a:endParaRPr lang="en-US"/>
           </a:p>
@@ -370,7 +369,7 @@
     </p:spTree>
     <p:extLst>
       <p:ext uri="{BB962C8B-B14F-4D97-AF65-F5344CB8AC3E}">
-        <p14:creationId xmlns="" xmlns:p14="http://schemas.microsoft.com/office/powerpoint/2010/main" val="4257957217"/>
+        <p14:creationId xmlns:p14="http://schemas.microsoft.com/office/powerpoint/2010/main" xmlns="" val="4257957217"/>
       </p:ext>
     </p:extLst>
   </p:cSld>
@@ -1059,7 +1058,7 @@
     </p:spTree>
     <p:extLst>
       <p:ext uri="{BB962C8B-B14F-4D97-AF65-F5344CB8AC3E}">
-        <p14:creationId xmlns="" xmlns:p14="http://schemas.microsoft.com/office/powerpoint/2010/main" val="3922556216"/>
+        <p14:creationId xmlns:p14="http://schemas.microsoft.com/office/powerpoint/2010/main" xmlns="" val="3922556216"/>
       </p:ext>
     </p:extLst>
   </p:cSld>
@@ -1364,7 +1363,7 @@
     </p:spTree>
     <p:extLst>
       <p:ext uri="{BB962C8B-B14F-4D97-AF65-F5344CB8AC3E}">
-        <p14:creationId xmlns="" xmlns:p14="http://schemas.microsoft.com/office/powerpoint/2010/main" val="3237165646"/>
+        <p14:creationId xmlns:p14="http://schemas.microsoft.com/office/powerpoint/2010/main" xmlns="" val="3237165646"/>
       </p:ext>
     </p:extLst>
   </p:cSld>
@@ -1795,7 +1794,7 @@
     </p:spTree>
     <p:extLst>
       <p:ext uri="{BB962C8B-B14F-4D97-AF65-F5344CB8AC3E}">
-        <p14:creationId xmlns="" xmlns:p14="http://schemas.microsoft.com/office/powerpoint/2010/main" val="823982055"/>
+        <p14:creationId xmlns:p14="http://schemas.microsoft.com/office/powerpoint/2010/main" xmlns="" val="823982055"/>
       </p:ext>
     </p:extLst>
   </p:cSld>
@@ -1962,7 +1961,7 @@
     </p:spTree>
     <p:extLst>
       <p:ext uri="{BB962C8B-B14F-4D97-AF65-F5344CB8AC3E}">
-        <p14:creationId xmlns="" xmlns:p14="http://schemas.microsoft.com/office/powerpoint/2010/main" val="1268618901"/>
+        <p14:creationId xmlns:p14="http://schemas.microsoft.com/office/powerpoint/2010/main" xmlns="" val="1268618901"/>
       </p:ext>
     </p:extLst>
   </p:cSld>
@@ -3516,7 +3515,7 @@
     </p:spTree>
     <p:extLst>
       <p:ext uri="{BB962C8B-B14F-4D97-AF65-F5344CB8AC3E}">
-        <p14:creationId xmlns="" xmlns:p14="http://schemas.microsoft.com/office/powerpoint/2010/main" val="2890222424"/>
+        <p14:creationId xmlns:p14="http://schemas.microsoft.com/office/powerpoint/2010/main" xmlns="" val="2890222424"/>
       </p:ext>
     </p:extLst>
   </p:cSld>
@@ -4673,7 +4672,7 @@
           <a:blip r:embed="rId26">
             <a:extLst>
               <a:ext uri="{28A0092B-C50C-407E-A947-70E740481C1C}">
-                <a14:useLocalDpi xmlns="" xmlns:a14="http://schemas.microsoft.com/office/drawing/2010/main"/>
+                <a14:useLocalDpi xmlns:a14="http://schemas.microsoft.com/office/drawing/2010/main" xmlns=""/>
               </a:ext>
             </a:extLst>
           </a:blip>
@@ -4693,7 +4692,7 @@
           <a:noFill/>
           <a:extLst>
             <a:ext uri="{909E8E84-426E-40DD-AFC4-6F175D3DCCD1}">
-              <a14:hiddenFill xmlns="" xmlns:a14="http://schemas.microsoft.com/office/drawing/2010/main">
+              <a14:hiddenFill xmlns:a14="http://schemas.microsoft.com/office/drawing/2010/main" xmlns="">
                 <a:solidFill>
                   <a:srgbClr val="FFFFFF"/>
                 </a:solidFill>
@@ -4714,7 +4713,7 @@
           <a:blip r:embed="rId27" cstate="email">
             <a:extLst>
               <a:ext uri="{28A0092B-C50C-407E-A947-70E740481C1C}">
-                <a14:useLocalDpi xmlns="" xmlns:a14="http://schemas.microsoft.com/office/drawing/2010/main"/>
+                <a14:useLocalDpi xmlns:a14="http://schemas.microsoft.com/office/drawing/2010/main" xmlns=""/>
               </a:ext>
             </a:extLst>
           </a:blip>
@@ -4738,14 +4737,14 @@
           <a:effectLst/>
           <a:extLst>
             <a:ext uri="{909E8E84-426E-40DD-AFC4-6F175D3DCCD1}">
-              <a14:hiddenFill xmlns="" xmlns:a14="http://schemas.microsoft.com/office/drawing/2010/main">
+              <a14:hiddenFill xmlns:a14="http://schemas.microsoft.com/office/drawing/2010/main" xmlns="">
                 <a:solidFill>
                   <a:schemeClr val="accent1"/>
                 </a:solidFill>
               </a14:hiddenFill>
             </a:ext>
             <a:ext uri="{91240B29-F687-4F45-9708-019B960494DF}">
-              <a14:hiddenLine xmlns="" xmlns:a14="http://schemas.microsoft.com/office/drawing/2010/main" w="9525">
+              <a14:hiddenLine xmlns:a14="http://schemas.microsoft.com/office/drawing/2010/main" xmlns="" w="9525">
                 <a:solidFill>
                   <a:schemeClr val="tx1"/>
                 </a:solidFill>
@@ -4755,7 +4754,7 @@
               </a14:hiddenLine>
             </a:ext>
             <a:ext uri="{AF507438-7753-43E0-B8FC-AC1667EBCBE1}">
-              <a14:hiddenEffects xmlns="" xmlns:a14="http://schemas.microsoft.com/office/drawing/2010/main">
+              <a14:hiddenEffects xmlns:a14="http://schemas.microsoft.com/office/drawing/2010/main" xmlns="">
                 <a:effectLst>
                   <a:outerShdw dist="35921" dir="2700000" algn="ctr" rotWithShape="0">
                     <a:schemeClr val="bg2"/>
@@ -4778,7 +4777,7 @@
           <a:blip r:embed="rId28" cstate="email">
             <a:extLst>
               <a:ext uri="{28A0092B-C50C-407E-A947-70E740481C1C}">
-                <a14:useLocalDpi xmlns="" xmlns:a14="http://schemas.microsoft.com/office/drawing/2010/main"/>
+                <a14:useLocalDpi xmlns:a14="http://schemas.microsoft.com/office/drawing/2010/main" xmlns=""/>
               </a:ext>
             </a:extLst>
           </a:blip>
@@ -4802,14 +4801,14 @@
           <a:effectLst/>
           <a:extLst>
             <a:ext uri="{909E8E84-426E-40DD-AFC4-6F175D3DCCD1}">
-              <a14:hiddenFill xmlns="" xmlns:a14="http://schemas.microsoft.com/office/drawing/2010/main">
+              <a14:hiddenFill xmlns:a14="http://schemas.microsoft.com/office/drawing/2010/main" xmlns="">
                 <a:solidFill>
                   <a:schemeClr val="accent1"/>
                 </a:solidFill>
               </a14:hiddenFill>
             </a:ext>
             <a:ext uri="{91240B29-F687-4F45-9708-019B960494DF}">
-              <a14:hiddenLine xmlns="" xmlns:a14="http://schemas.microsoft.com/office/drawing/2010/main" w="9525">
+              <a14:hiddenLine xmlns:a14="http://schemas.microsoft.com/office/drawing/2010/main" xmlns="" w="9525">
                 <a:solidFill>
                   <a:schemeClr val="tx1"/>
                 </a:solidFill>
@@ -4819,7 +4818,7 @@
               </a14:hiddenLine>
             </a:ext>
             <a:ext uri="{AF507438-7753-43E0-B8FC-AC1667EBCBE1}">
-              <a14:hiddenEffects xmlns="" xmlns:a14="http://schemas.microsoft.com/office/drawing/2010/main">
+              <a14:hiddenEffects xmlns:a14="http://schemas.microsoft.com/office/drawing/2010/main" xmlns="">
                 <a:effectLst>
                   <a:outerShdw dist="35921" dir="2700000" algn="ctr" rotWithShape="0">
                     <a:schemeClr val="bg2"/>
@@ -4842,7 +4841,7 @@
           <a:blip r:embed="rId29">
             <a:extLst>
               <a:ext uri="{BEBA8EAE-BF5A-486C-A8C5-ECC9F3942E4B}">
-                <a14:imgProps xmlns="" xmlns:a14="http://schemas.microsoft.com/office/drawing/2010/main">
+                <a14:imgProps xmlns:a14="http://schemas.microsoft.com/office/drawing/2010/main" xmlns="">
                   <a14:imgLayer r:embed="rId31">
                     <a14:imgEffect>
                       <a14:brightnessContrast bright="20000"/>
@@ -4851,7 +4850,7 @@
                 </a14:imgProps>
               </a:ext>
               <a:ext uri="{28A0092B-C50C-407E-A947-70E740481C1C}">
-                <a14:useLocalDpi xmlns="" xmlns:a14="http://schemas.microsoft.com/office/drawing/2010/main"/>
+                <a14:useLocalDpi xmlns:a14="http://schemas.microsoft.com/office/drawing/2010/main" xmlns=""/>
               </a:ext>
             </a:extLst>
           </a:blip>
@@ -4879,7 +4878,7 @@
           </a:effectLst>
           <a:extLst>
             <a:ext uri="{909E8E84-426E-40DD-AFC4-6F175D3DCCD1}">
-              <a14:hiddenFill xmlns="" xmlns:a14="http://schemas.microsoft.com/office/drawing/2010/main">
+              <a14:hiddenFill xmlns:a14="http://schemas.microsoft.com/office/drawing/2010/main" xmlns="">
                 <a:solidFill>
                   <a:srgbClr val="FFFFFF"/>
                 </a:solidFill>
@@ -4891,7 +4890,7 @@
     </p:spTree>
     <p:extLst>
       <p:ext uri="{BB962C8B-B14F-4D97-AF65-F5344CB8AC3E}">
-        <p14:creationId xmlns="" xmlns:p14="http://schemas.microsoft.com/office/powerpoint/2010/main" val="264979309"/>
+        <p14:creationId xmlns:p14="http://schemas.microsoft.com/office/powerpoint/2010/main" xmlns="" val="264979309"/>
       </p:ext>
     </p:extLst>
   </p:cSld>
@@ -5418,8 +5417,8 @@
         </p:nvSpPr>
         <p:spPr>
           <a:xfrm>
-            <a:off x="228600" y="395217"/>
-            <a:ext cx="8686800" cy="5791200"/>
+            <a:off x="228600" y="534699"/>
+            <a:ext cx="8686800" cy="2100010"/>
           </a:xfrm>
         </p:spPr>
         <p:txBody>
@@ -5522,18 +5521,19 @@
           <a:blip r:embed="rId2" cstate="screen">
             <a:extLst>
               <a:ext uri="{28A0092B-C50C-407E-A947-70E740481C1C}">
-                <a14:useLocalDpi xmlns="" xmlns:a14="http://schemas.microsoft.com/office/drawing/2010/main"/>
+                <a14:useLocalDpi xmlns:a14="http://schemas.microsoft.com/office/drawing/2010/main" xmlns=""/>
               </a:ext>
             </a:extLst>
           </a:blip>
+          <a:srcRect l="1306" t="37530" r="2003" b="12690"/>
           <a:stretch>
             <a:fillRect/>
           </a:stretch>
         </p:blipFill>
         <p:spPr>
           <a:xfrm>
-            <a:off x="911389" y="2322690"/>
-            <a:ext cx="7349208" cy="4031826"/>
+            <a:off x="658678" y="3184899"/>
+            <a:ext cx="7901621" cy="2231755"/>
           </a:xfrm>
           <a:prstGeom prst="rect">
             <a:avLst/>
@@ -5543,7 +5543,7 @@
     </p:spTree>
     <p:extLst>
       <p:ext uri="{BB962C8B-B14F-4D97-AF65-F5344CB8AC3E}">
-        <p14:creationId xmlns="" xmlns:p14="http://schemas.microsoft.com/office/powerpoint/2010/main" val="167402217"/>
+        <p14:creationId xmlns:p14="http://schemas.microsoft.com/office/powerpoint/2010/main" xmlns="" val="167402217"/>
       </p:ext>
     </p:extLst>
   </p:cSld>
@@ -5603,21 +5603,12 @@
             </a:pPr>
             <a:r>
               <a:rPr lang="en-US" sz="2800" dirty="0" smtClean="0"/>
-              <a:t>You </a:t>
-            </a:r>
-            <a:r>
-              <a:rPr lang="en-US" sz="2800" dirty="0" smtClean="0"/>
-              <a:t>are given prewritten HTML and CSS code</a:t>
+              <a:t>You are given prewritten HTML and CSS code</a:t>
             </a:r>
             <a:r>
               <a:rPr lang="en-US" sz="2600" dirty="0" smtClean="0"/>
-              <a:t>. Expand this code to make the web page to look exactly like the </a:t>
-            </a:r>
-            <a:r>
-              <a:rPr lang="en-US" sz="2600" dirty="0" smtClean="0"/>
-              <a:t>image below:</a:t>
-            </a:r>
-            <a:endParaRPr lang="en-US" sz="2600" dirty="0" smtClean="0"/>
+              <a:t>. Expand this code to make the web page to look exactly like the image below:</a:t>
+            </a:r>
           </a:p>
         </p:txBody>
       </p:sp>
@@ -5633,7 +5624,7 @@
           <a:blip r:embed="rId2" cstate="screen">
             <a:extLst>
               <a:ext uri="{28A0092B-C50C-407E-A947-70E740481C1C}">
-                <a14:useLocalDpi xmlns="" xmlns:a14="http://schemas.microsoft.com/office/drawing/2010/main"/>
+                <a14:useLocalDpi xmlns:a14="http://schemas.microsoft.com/office/drawing/2010/main" xmlns=""/>
               </a:ext>
             </a:extLst>
           </a:blip>
@@ -5655,7 +5646,7 @@
     </p:spTree>
     <p:extLst>
       <p:ext uri="{BB962C8B-B14F-4D97-AF65-F5344CB8AC3E}">
-        <p14:creationId xmlns="" xmlns:p14="http://schemas.microsoft.com/office/powerpoint/2010/main" val="4045230074"/>
+        <p14:creationId xmlns:p14="http://schemas.microsoft.com/office/powerpoint/2010/main" xmlns="" val="4045230074"/>
       </p:ext>
     </p:extLst>
   </p:cSld>
@@ -5691,134 +5682,6 @@
       </p:grpSpPr>
       <p:sp>
         <p:nvSpPr>
-          <p:cNvPr id="5" name="Content Placeholder 4"/>
-          <p:cNvSpPr>
-            <a:spLocks noGrp="1"/>
-          </p:cNvSpPr>
-          <p:nvPr>
-            <p:ph idx="1"/>
-          </p:nvPr>
-        </p:nvSpPr>
-        <p:spPr>
-          <a:xfrm>
-            <a:off x="228600" y="340974"/>
-            <a:ext cx="8686800" cy="5791200"/>
-          </a:xfrm>
-        </p:spPr>
-        <p:txBody>
-          <a:bodyPr/>
-          <a:lstStyle/>
-          <a:p>
-            <a:pPr marL="514350" indent="-514350">
-              <a:buFont typeface="+mj-lt"/>
-              <a:buAutoNum type="arabicPeriod" startAt="3"/>
-            </a:pPr>
-            <a:r>
-              <a:rPr lang="en-US" sz="2800" dirty="0" smtClean="0"/>
-              <a:t>Create the following web page</a:t>
-            </a:r>
-          </a:p>
-          <a:p>
-            <a:pPr marL="862013" lvl="1" indent="-514350"/>
-            <a:r>
-              <a:rPr lang="en-US" sz="2600" dirty="0" smtClean="0"/>
-              <a:t>Using </a:t>
-            </a:r>
-            <a:r>
-              <a:rPr lang="en-US" sz="2600" dirty="0" smtClean="0">
-                <a:latin typeface="Consolas" panose="020B0609020204030204" pitchFamily="49" charset="0"/>
-                <a:cs typeface="Consolas" panose="020B0609020204030204" pitchFamily="49" charset="0"/>
-              </a:rPr>
-              <a:t>60</a:t>
-            </a:r>
-            <a:r>
-              <a:rPr lang="en-US" sz="2600" dirty="0" smtClean="0">
-                <a:latin typeface="+mj-lt"/>
-                <a:cs typeface="Consolas" panose="020B0609020204030204" pitchFamily="49" charset="0"/>
-              </a:rPr>
-              <a:t> </a:t>
-            </a:r>
-            <a:r>
-              <a:rPr lang="en-US" sz="2600" dirty="0"/>
-              <a:t>nested </a:t>
-            </a:r>
-            <a:r>
-              <a:rPr lang="en-US" sz="2600" dirty="0" smtClean="0"/>
-              <a:t>div elements</a:t>
-            </a:r>
-            <a:endParaRPr lang="en-US" sz="2600" dirty="0"/>
-          </a:p>
-        </p:txBody>
-      </p:sp>
-      <p:pic>
-        <p:nvPicPr>
-          <p:cNvPr id="3" name="Picture 2"/>
-          <p:cNvPicPr>
-            <a:picLocks noChangeAspect="1"/>
-          </p:cNvPicPr>
-          <p:nvPr/>
-        </p:nvPicPr>
-        <p:blipFill>
-          <a:blip r:embed="rId2" cstate="screen">
-            <a:extLst>
-              <a:ext uri="{28A0092B-C50C-407E-A947-70E740481C1C}">
-                <a14:useLocalDpi xmlns="" xmlns:a14="http://schemas.microsoft.com/office/drawing/2010/main"/>
-              </a:ext>
-            </a:extLst>
-          </a:blip>
-          <a:stretch>
-            <a:fillRect/>
-          </a:stretch>
-        </p:blipFill>
-        <p:spPr>
-          <a:xfrm>
-            <a:off x="814646" y="2078644"/>
-            <a:ext cx="7639679" cy="3764301"/>
-          </a:xfrm>
-          <a:prstGeom prst="rect">
-            <a:avLst/>
-          </a:prstGeom>
-        </p:spPr>
-      </p:pic>
-    </p:spTree>
-    <p:extLst>
-      <p:ext uri="{BB962C8B-B14F-4D97-AF65-F5344CB8AC3E}">
-        <p14:creationId xmlns="" xmlns:p14="http://schemas.microsoft.com/office/powerpoint/2010/main" val="468215628"/>
-      </p:ext>
-    </p:extLst>
-  </p:cSld>
-  <p:clrMapOvr>
-    <a:masterClrMapping/>
-  </p:clrMapOvr>
-  <p:timing>
-    <p:tnLst>
-      <p:par>
-        <p:cTn id="1" dur="indefinite" restart="never" nodeType="tmRoot"/>
-      </p:par>
-    </p:tnLst>
-  </p:timing>
-</p:sld>
-</file>
-
-<file path=ppt/slides/slide4.xml><?xml version="1.0" encoding="utf-8"?>
-<p:sld xmlns:a="http://schemas.openxmlformats.org/drawingml/2006/main" xmlns:r="http://schemas.openxmlformats.org/officeDocument/2006/relationships" xmlns:p="http://schemas.openxmlformats.org/presentationml/2006/main" showMasterSp="0">
-  <p:cSld>
-    <p:spTree>
-      <p:nvGrpSpPr>
-        <p:cNvPr id="1" name=""/>
-        <p:cNvGrpSpPr/>
-        <p:nvPr/>
-      </p:nvGrpSpPr>
-      <p:grpSpPr>
-        <a:xfrm>
-          <a:off x="0" y="0"/>
-          <a:ext cx="0" cy="0"/>
-          <a:chOff x="0" y="0"/>
-          <a:chExt cx="0" cy="0"/>
-        </a:xfrm>
-      </p:grpSpPr>
-      <p:sp>
-        <p:nvSpPr>
           <p:cNvPr id="3" name="Content Placeholder 2"/>
           <p:cNvSpPr>
             <a:spLocks noGrp="1"/>
@@ -5829,8 +5692,8 @@
         </p:nvSpPr>
         <p:spPr>
           <a:xfrm>
-            <a:off x="228600" y="436550"/>
-            <a:ext cx="8686800" cy="5948751"/>
+            <a:off x="282845" y="2435820"/>
+            <a:ext cx="8450450" cy="4081213"/>
           </a:xfrm>
         </p:spPr>
         <p:txBody>
@@ -5845,22 +5708,14 @@
               <a:buAutoNum type="arabicPeriod" startAt="4"/>
             </a:pPr>
             <a:r>
-              <a:rPr lang="en-US" sz="2800" dirty="0"/>
-              <a:t>Create a web page that looks like the Windows calculator in Programmer </a:t>
-            </a:r>
-            <a:r>
-              <a:rPr lang="en-US" sz="2800" dirty="0" smtClean="0"/>
-              <a:t>view</a:t>
-            </a:r>
-          </a:p>
-          <a:p>
-            <a:pPr marL="514350" indent="-514350">
-              <a:lnSpc>
-                <a:spcPct val="100000"/>
-              </a:lnSpc>
-              <a:buNone/>
-            </a:pPr>
-            <a:endParaRPr lang="en-US" sz="2800" dirty="0"/>
+              <a:rPr lang="en-US" sz="2400" dirty="0"/>
+              <a:t>Create a web page that looks like the Windows calculator in </a:t>
+            </a:r>
+            <a:r>
+              <a:rPr lang="en-US" sz="2400" dirty="0" smtClean="0"/>
+              <a:t>Programmer view</a:t>
+            </a:r>
+            <a:endParaRPr lang="en-US" sz="2400" dirty="0"/>
           </a:p>
           <a:p>
             <a:pPr lvl="1">
@@ -5869,12 +5724,27 @@
               </a:lnSpc>
             </a:pPr>
             <a:r>
-              <a:rPr lang="en-US" sz="2600" dirty="0" smtClean="0"/>
+              <a:rPr lang="en-US" sz="2400" dirty="0" smtClean="0"/>
               <a:t>It should </a:t>
             </a:r>
             <a:r>
-              <a:rPr lang="en-US" sz="2600" dirty="0" smtClean="0"/>
-              <a:t>look</a:t>
+              <a:rPr lang="en-US" sz="2400" dirty="0" smtClean="0"/>
+              <a:t>look </a:t>
+            </a:r>
+            <a:r>
+              <a:rPr lang="en-US" sz="2400" dirty="0" smtClean="0">
+                <a:solidFill>
+                  <a:schemeClr val="accent5">
+                    <a:lumMod val="20000"/>
+                    <a:lumOff val="80000"/>
+                  </a:schemeClr>
+                </a:solidFill>
+              </a:rPr>
+              <a:t>exactly</a:t>
+            </a:r>
+            <a:r>
+              <a:rPr lang="en-US" sz="2400" dirty="0" smtClean="0"/>
+              <a:t> the</a:t>
             </a:r>
           </a:p>
           <a:p>
@@ -5885,35 +5755,14 @@
               <a:buNone/>
             </a:pPr>
             <a:r>
-              <a:rPr lang="en-US" sz="2600" dirty="0" smtClean="0">
-                <a:solidFill>
-                  <a:schemeClr val="accent5">
-                    <a:lumMod val="20000"/>
-                    <a:lumOff val="80000"/>
-                  </a:schemeClr>
-                </a:solidFill>
-              </a:rPr>
+              <a:rPr lang="en-US" sz="2400" dirty="0" smtClean="0"/>
               <a:t>	</a:t>
             </a:r>
             <a:r>
-              <a:rPr lang="en-US" sz="2600" dirty="0" smtClean="0">
-                <a:solidFill>
-                  <a:schemeClr val="accent5">
-                    <a:lumMod val="20000"/>
-                    <a:lumOff val="80000"/>
-                  </a:schemeClr>
-                </a:solidFill>
-              </a:rPr>
-              <a:t>exactly</a:t>
-            </a:r>
-            <a:r>
-              <a:rPr lang="en-US" sz="2600" dirty="0" smtClean="0"/>
-              <a:t> the </a:t>
-            </a:r>
-            <a:r>
-              <a:rPr lang="en-US" sz="2600" dirty="0" smtClean="0"/>
+              <a:rPr lang="en-US" sz="2400" dirty="0" smtClean="0"/>
               <a:t>same</a:t>
             </a:r>
+            <a:endParaRPr lang="en-US" sz="2400" dirty="0" smtClean="0"/>
           </a:p>
           <a:p>
             <a:pPr lvl="1">
@@ -5922,11 +5771,11 @@
               </a:lnSpc>
             </a:pPr>
             <a:r>
-              <a:rPr lang="en-US" sz="2600" dirty="0" smtClean="0"/>
+              <a:rPr lang="en-US" sz="2400" dirty="0" smtClean="0"/>
               <a:t>Implement </a:t>
             </a:r>
             <a:r>
-              <a:rPr lang="en-US" sz="2600" dirty="0" smtClean="0">
+              <a:rPr lang="en-US" sz="2400" dirty="0" smtClean="0">
                 <a:solidFill>
                   <a:schemeClr val="accent5">
                     <a:lumMod val="20000"/>
@@ -5934,9 +5783,12 @@
                   </a:schemeClr>
                 </a:solidFill>
               </a:rPr>
-              <a:t>hover</a:t>
-            </a:r>
-            <a:endParaRPr lang="en-US" sz="2600" dirty="0" smtClean="0"/>
+              <a:t>hover </a:t>
+            </a:r>
+            <a:r>
+              <a:rPr lang="en-US" sz="2400" dirty="0" smtClean="0"/>
+              <a:t>effects</a:t>
+            </a:r>
           </a:p>
           <a:p>
             <a:pPr lvl="1">
@@ -5946,12 +5798,39 @@
               <a:buNone/>
             </a:pPr>
             <a:r>
-              <a:rPr lang="en-US" sz="2600" dirty="0" smtClean="0"/>
+              <a:rPr lang="en-US" sz="2400" dirty="0" smtClean="0"/>
               <a:t>	</a:t>
             </a:r>
             <a:r>
-              <a:rPr lang="en-US" sz="2600" dirty="0" smtClean="0"/>
-              <a:t>effects for the</a:t>
+              <a:rPr lang="en-US" sz="2400" dirty="0" smtClean="0"/>
+              <a:t>for the buttons</a:t>
+            </a:r>
+            <a:endParaRPr lang="en-US" sz="2400" dirty="0" smtClean="0"/>
+          </a:p>
+          <a:p>
+            <a:pPr lvl="1">
+              <a:lnSpc>
+                <a:spcPct val="90000"/>
+              </a:lnSpc>
+            </a:pPr>
+            <a:r>
+              <a:rPr lang="en-US" sz="2400" dirty="0" smtClean="0"/>
+              <a:t>The </a:t>
+            </a:r>
+            <a:r>
+              <a:rPr lang="en-US" sz="2400" dirty="0" smtClean="0"/>
+              <a:t>calculator </a:t>
+            </a:r>
+            <a:r>
+              <a:rPr lang="en-US" sz="2400" dirty="0" smtClean="0">
+                <a:solidFill>
+                  <a:schemeClr val="tx1">
+                    <a:lumMod val="40000"/>
+                    <a:lumOff val="60000"/>
+                  </a:schemeClr>
+                </a:solidFill>
+              </a:rPr>
+              <a:t>should not</a:t>
             </a:r>
           </a:p>
           <a:p>
@@ -5962,39 +5841,11 @@
               <a:buNone/>
             </a:pPr>
             <a:r>
-              <a:rPr lang="en-US" sz="2600" dirty="0" smtClean="0"/>
+              <a:rPr lang="en-US" sz="2400" dirty="0" smtClean="0"/>
               <a:t>	</a:t>
             </a:r>
             <a:r>
-              <a:rPr lang="en-US" sz="2600" dirty="0" smtClean="0"/>
-              <a:t>buttons</a:t>
-            </a:r>
-            <a:endParaRPr lang="en-US" sz="2600" dirty="0" smtClean="0"/>
-          </a:p>
-          <a:p>
-            <a:pPr lvl="1">
-              <a:lnSpc>
-                <a:spcPct val="90000"/>
-              </a:lnSpc>
-            </a:pPr>
-            <a:r>
-              <a:rPr lang="en-US" sz="2600" dirty="0" smtClean="0"/>
-              <a:t>The </a:t>
-            </a:r>
-            <a:r>
-              <a:rPr lang="en-US" sz="2600" dirty="0" smtClean="0"/>
-              <a:t>calculator</a:t>
-            </a:r>
-          </a:p>
-          <a:p>
-            <a:pPr lvl="2">
-              <a:lnSpc>
-                <a:spcPct val="90000"/>
-              </a:lnSpc>
-              <a:buNone/>
-            </a:pPr>
-            <a:r>
-              <a:rPr lang="en-US" sz="2600" dirty="0" smtClean="0">
+              <a:rPr lang="en-US" sz="2400" dirty="0" smtClean="0">
                 <a:solidFill>
                   <a:schemeClr val="tx1">
                     <a:lumMod val="40000"/>
@@ -6002,18 +5853,10 @@
                   </a:schemeClr>
                 </a:solidFill>
               </a:rPr>
-              <a:t>should not have</a:t>
-            </a:r>
-          </a:p>
-          <a:p>
-            <a:pPr lvl="2">
-              <a:lnSpc>
-                <a:spcPct val="90000"/>
-              </a:lnSpc>
-              <a:buNone/>
-            </a:pPr>
-            <a:r>
-              <a:rPr lang="en-US" sz="2600" dirty="0" smtClean="0">
+              <a:t>have </a:t>
+            </a:r>
+            <a:r>
+              <a:rPr lang="en-US" sz="2400" dirty="0" smtClean="0">
                 <a:solidFill>
                   <a:schemeClr val="accent5">
                     <a:lumMod val="20000"/>
@@ -6024,7 +5867,7 @@
               <a:t>any </a:t>
             </a:r>
             <a:r>
-              <a:rPr lang="en-US" sz="2600" dirty="0" smtClean="0">
+              <a:rPr lang="en-US" sz="2400" dirty="0" smtClean="0">
                 <a:solidFill>
                   <a:schemeClr val="accent5">
                     <a:lumMod val="20000"/>
@@ -6034,7 +5877,7 @@
               </a:rPr>
               <a:t>functionality</a:t>
             </a:r>
-            <a:endParaRPr lang="en-US" sz="2600" dirty="0">
+            <a:endParaRPr lang="en-US" sz="2400" dirty="0">
               <a:solidFill>
                 <a:schemeClr val="accent5">
                   <a:lumMod val="20000"/>
@@ -6047,18 +5890,82 @@
       </p:sp>
       <p:pic>
         <p:nvPicPr>
-          <p:cNvPr id="13316" name="Picture 4"/>
+          <p:cNvPr id="13317" name="Picture 5"/>
+          <p:cNvPicPr>
+            <a:picLocks noChangeAspect="1" noChangeArrowheads="1"/>
+          </p:cNvPicPr>
+          <p:nvPr/>
+        </p:nvPicPr>
+        <p:blipFill>
+          <a:blip r:embed="rId2">
+            <a:extLst>
+              <a:ext uri="{28A0092B-C50C-407E-A947-70E740481C1C}">
+                <a14:useLocalDpi xmlns:a14="http://schemas.microsoft.com/office/drawing/2010/main" xmlns=""/>
+              </a:ext>
+            </a:extLst>
+          </a:blip>
+          <a:srcRect/>
+          <a:stretch>
+            <a:fillRect/>
+          </a:stretch>
+        </p:blipFill>
+        <p:spPr bwMode="auto">
+          <a:xfrm>
+            <a:off x="7467599" y="3521839"/>
+            <a:ext cx="114299" cy="180974"/>
+          </a:xfrm>
+          <a:prstGeom prst="rect">
+            <a:avLst/>
+          </a:prstGeom>
+          <a:noFill/>
+          <a:ln>
+            <a:noFill/>
+          </a:ln>
+          <a:effectLst/>
+          <a:extLst>
+            <a:ext uri="{909E8E84-426E-40DD-AFC4-6F175D3DCCD1}">
+              <a14:hiddenFill xmlns:a14="http://schemas.microsoft.com/office/drawing/2010/main" xmlns="">
+                <a:solidFill>
+                  <a:schemeClr val="accent1"/>
+                </a:solidFill>
+              </a14:hiddenFill>
+            </a:ext>
+            <a:ext uri="{91240B29-F687-4F45-9708-019B960494DF}">
+              <a14:hiddenLine xmlns:a14="http://schemas.microsoft.com/office/drawing/2010/main" xmlns="" w="9525">
+                <a:solidFill>
+                  <a:schemeClr val="tx1"/>
+                </a:solidFill>
+                <a:miter lim="800000"/>
+                <a:headEnd/>
+                <a:tailEnd/>
+              </a14:hiddenLine>
+            </a:ext>
+            <a:ext uri="{AF507438-7753-43E0-B8FC-AC1667EBCBE1}">
+              <a14:hiddenEffects xmlns:a14="http://schemas.microsoft.com/office/drawing/2010/main" xmlns="">
+                <a:effectLst>
+                  <a:outerShdw dist="35921" dir="2700000" algn="ctr" rotWithShape="0">
+                    <a:schemeClr val="bg2"/>
+                  </a:outerShdw>
+                </a:effectLst>
+              </a14:hiddenEffects>
+            </a:ext>
+          </a:extLst>
+        </p:spPr>
+      </p:pic>
+      <p:pic>
+        <p:nvPicPr>
+          <p:cNvPr id="5" name="Picture 4"/>
           <p:cNvPicPr>
             <a:picLocks noChangeAspect="1" noChangeArrowheads="1"/>
           </p:cNvPicPr>
           <p:nvPr/>
         </p:nvPicPr>
         <p:blipFill rotWithShape="1">
-          <a:blip r:embed="rId2" cstate="screen">
+          <a:blip r:embed="rId3" cstate="screen">
             <a:extLst>
               <a:ext uri="{BEBA8EAE-BF5A-486C-A8C5-ECC9F3942E4B}">
-                <a14:imgProps xmlns="" xmlns:a14="http://schemas.microsoft.com/office/drawing/2010/main">
-                  <a14:imgLayer r:embed="rId3">
+                <a14:imgProps xmlns:a14="http://schemas.microsoft.com/office/drawing/2010/main" xmlns="">
+                  <a14:imgLayer r:embed="rId4">
                     <a14:imgEffect>
                       <a14:backgroundRemoval t="0" b="100000" l="0" r="100000">
                         <a14:foregroundMark x1="6318" y1="7350" x2="94771" y2="7127"/>
@@ -6072,7 +5979,7 @@
                 </a14:imgProps>
               </a:ext>
               <a:ext uri="{28A0092B-C50C-407E-A947-70E740481C1C}">
-                <a14:useLocalDpi xmlns="" xmlns:a14="http://schemas.microsoft.com/office/drawing/2010/main"/>
+                <a14:useLocalDpi xmlns:a14="http://schemas.microsoft.com/office/drawing/2010/main" xmlns=""/>
               </a:ext>
             </a:extLst>
           </a:blip>
@@ -6081,8 +5988,8 @@
         </p:blipFill>
         <p:spPr bwMode="auto">
           <a:xfrm>
-            <a:off x="3704103" y="1696451"/>
-            <a:ext cx="4998195" cy="4657761"/>
+            <a:off x="4735662" y="3037042"/>
+            <a:ext cx="3447441" cy="3212631"/>
           </a:xfrm>
           <a:prstGeom prst="rect">
             <a:avLst/>
@@ -6094,14 +6001,14 @@
           <a:effectLst/>
           <a:extLst>
             <a:ext uri="{909E8E84-426E-40DD-AFC4-6F175D3DCCD1}">
-              <a14:hiddenFill xmlns="" xmlns:a14="http://schemas.microsoft.com/office/drawing/2010/main">
+              <a14:hiddenFill xmlns:a14="http://schemas.microsoft.com/office/drawing/2010/main" xmlns="">
                 <a:solidFill>
                   <a:schemeClr val="accent1"/>
                 </a:solidFill>
               </a14:hiddenFill>
             </a:ext>
             <a:ext uri="{91240B29-F687-4F45-9708-019B960494DF}">
-              <a14:hiddenLine xmlns="" xmlns:a14="http://schemas.microsoft.com/office/drawing/2010/main" w="9525">
+              <a14:hiddenLine xmlns:a14="http://schemas.microsoft.com/office/drawing/2010/main" xmlns="" w="9525">
                 <a:solidFill>
                   <a:schemeClr val="tx1"/>
                 </a:solidFill>
@@ -6111,7 +6018,7 @@
               </a14:hiddenLine>
             </a:ext>
             <a:ext uri="{AF507438-7753-43E0-B8FC-AC1667EBCBE1}">
-              <a14:hiddenEffects xmlns="" xmlns:a14="http://schemas.microsoft.com/office/drawing/2010/main">
+              <a14:hiddenEffects xmlns:a14="http://schemas.microsoft.com/office/drawing/2010/main" xmlns="">
                 <a:effectLst>
                   <a:outerShdw dist="35921" dir="2700000" algn="ctr" rotWithShape="0">
                     <a:schemeClr val="bg2"/>
@@ -6122,74 +6029,283 @@
           </a:extLst>
         </p:spPr>
       </p:pic>
+      <p:sp>
+        <p:nvSpPr>
+          <p:cNvPr id="6" name="Content Placeholder 4"/>
+          <p:cNvSpPr txBox="1">
+            <a:spLocks/>
+          </p:cNvSpPr>
+          <p:nvPr/>
+        </p:nvSpPr>
+        <p:spPr>
+          <a:xfrm>
+            <a:off x="306090" y="364225"/>
+            <a:ext cx="8686800" cy="1402585"/>
+          </a:xfrm>
+          <a:prstGeom prst="rect">
+            <a:avLst/>
+          </a:prstGeom>
+        </p:spPr>
+        <p:txBody>
+          <a:bodyPr/>
+          <a:lstStyle/>
+          <a:p>
+            <a:pPr marL="514350" marR="0" lvl="0" indent="-514350" algn="l" defTabSz="914400" rtl="0" eaLnBrk="1" fontAlgn="base" latinLnBrk="0" hangingPunct="1">
+              <a:lnSpc>
+                <a:spcPct val="105000"/>
+              </a:lnSpc>
+              <a:spcBef>
+                <a:spcPts val="600"/>
+              </a:spcBef>
+              <a:spcAft>
+                <a:spcPts val="600"/>
+              </a:spcAft>
+              <a:buClr>
+                <a:schemeClr val="accent5">
+                  <a:lumMod val="40000"/>
+                  <a:lumOff val="60000"/>
+                </a:schemeClr>
+              </a:buClr>
+              <a:buSzPct val="70000"/>
+              <a:buFont typeface="+mj-lt"/>
+              <a:buAutoNum type="arabicPeriod" startAt="3"/>
+              <a:tabLst>
+                <a:tab pos="282575" algn="l"/>
+              </a:tabLst>
+              <a:defRPr/>
+            </a:pPr>
+            <a:r>
+              <a:rPr kumimoji="0" lang="en-US" sz="2400" b="1" i="0" u="none" strike="noStrike" kern="1200" cap="none" spc="0" normalizeH="0" baseline="0" noProof="0" dirty="0" smtClean="0">
+                <a:ln>
+                  <a:noFill/>
+                </a:ln>
+                <a:solidFill>
+                  <a:srgbClr val="EBFFD2"/>
+                </a:solidFill>
+                <a:effectLst>
+                  <a:outerShdw blurRad="38100" dist="38100" dir="2700000" algn="tl">
+                    <a:srgbClr val="000000">
+                      <a:alpha val="43137"/>
+                    </a:srgbClr>
+                  </a:outerShdw>
+                </a:effectLst>
+                <a:uLnTx/>
+                <a:uFillTx/>
+                <a:latin typeface="+mn-lt"/>
+                <a:ea typeface="+mn-ea"/>
+                <a:cs typeface="+mn-cs"/>
+              </a:rPr>
+              <a:t>Create the following web page </a:t>
+            </a:r>
+            <a:r>
+              <a:rPr kumimoji="0" lang="en-US" sz="2400" b="1" i="0" u="none" strike="noStrike" kern="1200" cap="none" spc="0" normalizeH="0" baseline="0" noProof="0" dirty="0" smtClean="0">
+                <a:ln>
+                  <a:noFill/>
+                </a:ln>
+                <a:solidFill>
+                  <a:schemeClr val="tx1">
+                    <a:lumMod val="40000"/>
+                    <a:lumOff val="60000"/>
+                  </a:schemeClr>
+                </a:solidFill>
+                <a:effectLst>
+                  <a:outerShdw blurRad="38100" dist="38100" dir="2700000" algn="tl">
+                    <a:srgbClr val="000000">
+                      <a:alpha val="43137"/>
+                    </a:srgbClr>
+                  </a:outerShdw>
+                </a:effectLst>
+                <a:uLnTx/>
+                <a:uFillTx/>
+                <a:latin typeface="+mn-lt"/>
+                <a:ea typeface="+mn-ea"/>
+                <a:cs typeface="+mn-cs"/>
+              </a:rPr>
+              <a:t>by </a:t>
+            </a:r>
+            <a:r>
+              <a:rPr lang="en-US" sz="2400" b="1" dirty="0" smtClean="0">
+                <a:solidFill>
+                  <a:schemeClr val="tx1">
+                    <a:lumMod val="40000"/>
+                    <a:lumOff val="60000"/>
+                  </a:schemeClr>
+                </a:solidFill>
+                <a:effectLst>
+                  <a:outerShdw blurRad="38100" dist="38100" dir="2700000" algn="tl">
+                    <a:srgbClr val="000000">
+                      <a:alpha val="43137"/>
+                    </a:srgbClr>
+                  </a:outerShdw>
+                </a:effectLst>
+              </a:rPr>
+              <a:t>u</a:t>
+            </a:r>
+            <a:r>
+              <a:rPr kumimoji="0" lang="en-US" sz="2400" b="1" i="0" u="none" strike="noStrike" kern="1200" cap="none" spc="0" normalizeH="0" baseline="0" noProof="0" dirty="0" smtClean="0">
+                <a:ln>
+                  <a:noFill/>
+                </a:ln>
+                <a:solidFill>
+                  <a:schemeClr val="tx1">
+                    <a:lumMod val="40000"/>
+                    <a:lumOff val="60000"/>
+                  </a:schemeClr>
+                </a:solidFill>
+                <a:effectLst>
+                  <a:outerShdw blurRad="38100" dist="38100" dir="2700000" algn="tl">
+                    <a:srgbClr val="000000">
+                      <a:alpha val="43137"/>
+                    </a:srgbClr>
+                  </a:outerShdw>
+                </a:effectLst>
+                <a:uLnTx/>
+                <a:uFillTx/>
+                <a:latin typeface="+mn-lt"/>
+                <a:ea typeface="+mn-ea"/>
+                <a:cs typeface="+mn-cs"/>
+              </a:rPr>
+              <a:t>sing </a:t>
+            </a:r>
+            <a:r>
+              <a:rPr kumimoji="0" lang="en-US" sz="2400" b="1" i="0" u="none" strike="noStrike" kern="1200" cap="none" spc="0" normalizeH="0" baseline="0" noProof="0" dirty="0" smtClean="0">
+                <a:ln>
+                  <a:noFill/>
+                </a:ln>
+                <a:solidFill>
+                  <a:schemeClr val="tx1">
+                    <a:lumMod val="40000"/>
+                    <a:lumOff val="60000"/>
+                  </a:schemeClr>
+                </a:solidFill>
+                <a:effectLst>
+                  <a:outerShdw blurRad="38100" dist="38100" dir="2700000" algn="tl">
+                    <a:srgbClr val="000000">
+                      <a:alpha val="43137"/>
+                    </a:srgbClr>
+                  </a:outerShdw>
+                </a:effectLst>
+                <a:uLnTx/>
+                <a:uFillTx/>
+                <a:latin typeface="Consolas" panose="020B0609020204030204" pitchFamily="49" charset="0"/>
+                <a:ea typeface="+mn-ea"/>
+                <a:cs typeface="Consolas" panose="020B0609020204030204" pitchFamily="49" charset="0"/>
+              </a:rPr>
+              <a:t>60</a:t>
+            </a:r>
+            <a:r>
+              <a:rPr kumimoji="0" lang="en-US" sz="2400" b="1" i="0" u="none" strike="noStrike" kern="1200" cap="none" spc="0" normalizeH="0" baseline="0" noProof="0" dirty="0" smtClean="0">
+                <a:ln>
+                  <a:noFill/>
+                </a:ln>
+                <a:solidFill>
+                  <a:schemeClr val="tx1">
+                    <a:lumMod val="40000"/>
+                    <a:lumOff val="60000"/>
+                  </a:schemeClr>
+                </a:solidFill>
+                <a:effectLst>
+                  <a:outerShdw blurRad="38100" dist="38100" dir="2700000" algn="tl">
+                    <a:srgbClr val="000000">
+                      <a:alpha val="43137"/>
+                    </a:srgbClr>
+                  </a:outerShdw>
+                </a:effectLst>
+                <a:uLnTx/>
+                <a:uFillTx/>
+                <a:latin typeface="+mj-lt"/>
+                <a:ea typeface="+mn-ea"/>
+                <a:cs typeface="Consolas" panose="020B0609020204030204" pitchFamily="49" charset="0"/>
+              </a:rPr>
+              <a:t> </a:t>
+            </a:r>
+            <a:r>
+              <a:rPr kumimoji="0" lang="en-US" sz="2400" b="1" i="0" u="none" strike="noStrike" kern="1200" cap="none" spc="0" normalizeH="0" baseline="0" noProof="0" dirty="0" smtClean="0">
+                <a:ln>
+                  <a:noFill/>
+                </a:ln>
+                <a:solidFill>
+                  <a:schemeClr val="tx1">
+                    <a:lumMod val="40000"/>
+                    <a:lumOff val="60000"/>
+                  </a:schemeClr>
+                </a:solidFill>
+                <a:effectLst>
+                  <a:outerShdw blurRad="38100" dist="38100" dir="2700000" algn="tl">
+                    <a:srgbClr val="000000">
+                      <a:alpha val="43137"/>
+                    </a:srgbClr>
+                  </a:outerShdw>
+                </a:effectLst>
+                <a:uLnTx/>
+                <a:uFillTx/>
+                <a:latin typeface="+mn-lt"/>
+                <a:ea typeface="+mn-ea"/>
+                <a:cs typeface="+mn-cs"/>
+              </a:rPr>
+              <a:t>nested div elements</a:t>
+            </a:r>
+            <a:endParaRPr kumimoji="0" lang="en-US" sz="2400" b="1" i="0" u="none" strike="noStrike" kern="1200" cap="none" spc="0" normalizeH="0" baseline="0" noProof="0" dirty="0">
+              <a:ln>
+                <a:noFill/>
+              </a:ln>
+              <a:solidFill>
+                <a:schemeClr val="tx1">
+                  <a:lumMod val="40000"/>
+                  <a:lumOff val="60000"/>
+                </a:schemeClr>
+              </a:solidFill>
+              <a:effectLst>
+                <a:outerShdw blurRad="38100" dist="38100" dir="2700000" algn="tl">
+                  <a:srgbClr val="000000">
+                    <a:alpha val="43137"/>
+                  </a:srgbClr>
+                </a:outerShdw>
+              </a:effectLst>
+              <a:uLnTx/>
+              <a:uFillTx/>
+              <a:latin typeface="+mn-lt"/>
+              <a:ea typeface="+mn-ea"/>
+              <a:cs typeface="+mn-cs"/>
+            </a:endParaRPr>
+          </a:p>
+        </p:txBody>
+      </p:sp>
       <p:pic>
         <p:nvPicPr>
-          <p:cNvPr id="13317" name="Picture 5"/>
+          <p:cNvPr id="7" name="Picture 6"/>
           <p:cNvPicPr>
-            <a:picLocks noChangeAspect="1" noChangeArrowheads="1"/>
+            <a:picLocks noChangeAspect="1"/>
           </p:cNvPicPr>
           <p:nvPr/>
         </p:nvPicPr>
         <p:blipFill>
-          <a:blip r:embed="rId4">
+          <a:blip r:embed="rId5" cstate="screen">
             <a:extLst>
               <a:ext uri="{28A0092B-C50C-407E-A947-70E740481C1C}">
-                <a14:useLocalDpi xmlns="" xmlns:a14="http://schemas.microsoft.com/office/drawing/2010/main"/>
+                <a14:useLocalDpi xmlns:a14="http://schemas.microsoft.com/office/drawing/2010/main" xmlns=""/>
               </a:ext>
             </a:extLst>
           </a:blip>
-          <a:srcRect/>
+          <a:srcRect l="1407" t="46063" r="10042" b="36027"/>
           <a:stretch>
             <a:fillRect/>
           </a:stretch>
         </p:blipFill>
-        <p:spPr bwMode="auto">
+        <p:spPr>
           <a:xfrm>
-            <a:off x="7467599" y="3227377"/>
-            <a:ext cx="114299" cy="180974"/>
+            <a:off x="1077121" y="1410361"/>
+            <a:ext cx="7229963" cy="720512"/>
           </a:xfrm>
           <a:prstGeom prst="rect">
             <a:avLst/>
           </a:prstGeom>
-          <a:noFill/>
-          <a:ln>
-            <a:noFill/>
-          </a:ln>
-          <a:effectLst/>
-          <a:extLst>
-            <a:ext uri="{909E8E84-426E-40DD-AFC4-6F175D3DCCD1}">
-              <a14:hiddenFill xmlns="" xmlns:a14="http://schemas.microsoft.com/office/drawing/2010/main">
-                <a:solidFill>
-                  <a:schemeClr val="accent1"/>
-                </a:solidFill>
-              </a14:hiddenFill>
-            </a:ext>
-            <a:ext uri="{91240B29-F687-4F45-9708-019B960494DF}">
-              <a14:hiddenLine xmlns="" xmlns:a14="http://schemas.microsoft.com/office/drawing/2010/main" w="9525">
-                <a:solidFill>
-                  <a:schemeClr val="tx1"/>
-                </a:solidFill>
-                <a:miter lim="800000"/>
-                <a:headEnd/>
-                <a:tailEnd/>
-              </a14:hiddenLine>
-            </a:ext>
-            <a:ext uri="{AF507438-7753-43E0-B8FC-AC1667EBCBE1}">
-              <a14:hiddenEffects xmlns="" xmlns:a14="http://schemas.microsoft.com/office/drawing/2010/main">
-                <a:effectLst>
-                  <a:outerShdw dist="35921" dir="2700000" algn="ctr" rotWithShape="0">
-                    <a:schemeClr val="bg2"/>
-                  </a:outerShdw>
-                </a:effectLst>
-              </a14:hiddenEffects>
-            </a:ext>
-          </a:extLst>
         </p:spPr>
       </p:pic>
     </p:spTree>
     <p:extLst>
       <p:ext uri="{BB962C8B-B14F-4D97-AF65-F5344CB8AC3E}">
-        <p14:creationId xmlns="" xmlns:p14="http://schemas.microsoft.com/office/powerpoint/2010/main" val="95211695"/>
+        <p14:creationId xmlns:p14="http://schemas.microsoft.com/office/powerpoint/2010/main" xmlns="" val="95211695"/>
       </p:ext>
     </p:extLst>
   </p:cSld>
@@ -6778,7 +6894,7 @@
   <a:extraClrSchemeLst/>
   <a:extLst>
     <a:ext uri="{05A4C25C-085E-4340-85A3-A5531E510DB2}">
-      <thm15:themeFamily xmlns="" xmlns:thm15="http://schemas.microsoft.com/office/thememl/2012/main" name="Office Theme" id="{62F939B6-93AF-4DB8-9C6B-D6C7DFDC589F}" vid="{4A3C46E8-61CC-4603-A589-7422A47A8E4A}"/>
+      <thm15:themeFamily xmlns:thm15="http://schemas.microsoft.com/office/thememl/2012/main" xmlns="" name="Office Theme" id="{62F939B6-93AF-4DB8-9C6B-D6C7DFDC589F}" vid="{4A3C46E8-61CC-4603-A589-7422A47A8E4A}"/>
     </a:ext>
   </a:extLst>
 </a:theme>
